--- a/www/_imgSources/icons.pptx
+++ b/www/_imgSources/icons.pptx
@@ -289,7 +289,7 @@
           <a:p>
             <a:fld id="{745A7134-949B-428F-9A82-7D09DE304FD2}" type="datetimeFigureOut">
               <a:rPr lang="en-IN" smtClean="0"/>
-              <a:t>10-11-2015</a:t>
+              <a:t>14-03-2016</a:t>
             </a:fld>
             <a:endParaRPr lang="en-IN"/>
           </a:p>
@@ -459,7 +459,7 @@
           <a:p>
             <a:fld id="{745A7134-949B-428F-9A82-7D09DE304FD2}" type="datetimeFigureOut">
               <a:rPr lang="en-IN" smtClean="0"/>
-              <a:t>10-11-2015</a:t>
+              <a:t>14-03-2016</a:t>
             </a:fld>
             <a:endParaRPr lang="en-IN"/>
           </a:p>
@@ -639,7 +639,7 @@
           <a:p>
             <a:fld id="{745A7134-949B-428F-9A82-7D09DE304FD2}" type="datetimeFigureOut">
               <a:rPr lang="en-IN" smtClean="0"/>
-              <a:t>10-11-2015</a:t>
+              <a:t>14-03-2016</a:t>
             </a:fld>
             <a:endParaRPr lang="en-IN"/>
           </a:p>
@@ -809,7 +809,7 @@
           <a:p>
             <a:fld id="{745A7134-949B-428F-9A82-7D09DE304FD2}" type="datetimeFigureOut">
               <a:rPr lang="en-IN" smtClean="0"/>
-              <a:t>10-11-2015</a:t>
+              <a:t>14-03-2016</a:t>
             </a:fld>
             <a:endParaRPr lang="en-IN"/>
           </a:p>
@@ -1055,7 +1055,7 @@
           <a:p>
             <a:fld id="{745A7134-949B-428F-9A82-7D09DE304FD2}" type="datetimeFigureOut">
               <a:rPr lang="en-IN" smtClean="0"/>
-              <a:t>10-11-2015</a:t>
+              <a:t>14-03-2016</a:t>
             </a:fld>
             <a:endParaRPr lang="en-IN"/>
           </a:p>
@@ -1343,7 +1343,7 @@
           <a:p>
             <a:fld id="{745A7134-949B-428F-9A82-7D09DE304FD2}" type="datetimeFigureOut">
               <a:rPr lang="en-IN" smtClean="0"/>
-              <a:t>10-11-2015</a:t>
+              <a:t>14-03-2016</a:t>
             </a:fld>
             <a:endParaRPr lang="en-IN"/>
           </a:p>
@@ -1765,7 +1765,7 @@
           <a:p>
             <a:fld id="{745A7134-949B-428F-9A82-7D09DE304FD2}" type="datetimeFigureOut">
               <a:rPr lang="en-IN" smtClean="0"/>
-              <a:t>10-11-2015</a:t>
+              <a:t>14-03-2016</a:t>
             </a:fld>
             <a:endParaRPr lang="en-IN"/>
           </a:p>
@@ -1883,7 +1883,7 @@
           <a:p>
             <a:fld id="{745A7134-949B-428F-9A82-7D09DE304FD2}" type="datetimeFigureOut">
               <a:rPr lang="en-IN" smtClean="0"/>
-              <a:t>10-11-2015</a:t>
+              <a:t>14-03-2016</a:t>
             </a:fld>
             <a:endParaRPr lang="en-IN"/>
           </a:p>
@@ -1978,7 +1978,7 @@
           <a:p>
             <a:fld id="{745A7134-949B-428F-9A82-7D09DE304FD2}" type="datetimeFigureOut">
               <a:rPr lang="en-IN" smtClean="0"/>
-              <a:t>10-11-2015</a:t>
+              <a:t>14-03-2016</a:t>
             </a:fld>
             <a:endParaRPr lang="en-IN"/>
           </a:p>
@@ -2255,7 +2255,7 @@
           <a:p>
             <a:fld id="{745A7134-949B-428F-9A82-7D09DE304FD2}" type="datetimeFigureOut">
               <a:rPr lang="en-IN" smtClean="0"/>
-              <a:t>10-11-2015</a:t>
+              <a:t>14-03-2016</a:t>
             </a:fld>
             <a:endParaRPr lang="en-IN"/>
           </a:p>
@@ -2508,7 +2508,7 @@
           <a:p>
             <a:fld id="{745A7134-949B-428F-9A82-7D09DE304FD2}" type="datetimeFigureOut">
               <a:rPr lang="en-IN" smtClean="0"/>
-              <a:t>10-11-2015</a:t>
+              <a:t>14-03-2016</a:t>
             </a:fld>
             <a:endParaRPr lang="en-IN"/>
           </a:p>
@@ -2721,7 +2721,7 @@
           <a:p>
             <a:fld id="{745A7134-949B-428F-9A82-7D09DE304FD2}" type="datetimeFigureOut">
               <a:rPr lang="en-IN" smtClean="0"/>
-              <a:t>10-11-2015</a:t>
+              <a:t>14-03-2016</a:t>
             </a:fld>
             <a:endParaRPr lang="en-IN"/>
           </a:p>
@@ -3678,7 +3678,16 @@
                 </a:solidFill>
                 <a:sym typeface="Wingdings"/>
               </a:rPr>
-              <a:t> Q ? ! &gt; &amp; $ # </a:t>
+              <a:t> Q ? ! &gt; &amp; $ # </a:t>
+            </a:r>
+            <a:r>
+              <a:rPr lang="en-US" dirty="0" smtClean="0">
+                <a:solidFill>
+                  <a:schemeClr val="tx1"/>
+                </a:solidFill>
+                <a:sym typeface="Wingdings"/>
+              </a:rPr>
+              <a:t></a:t>
             </a:r>
             <a:r>
               <a:rPr lang="en-US" dirty="0" smtClean="0">
@@ -9293,6 +9302,261 @@
           </a:p>
         </p:txBody>
       </p:sp>
+      <p:sp>
+        <p:nvSpPr>
+          <p:cNvPr id="109" name="Oval 108"/>
+          <p:cNvSpPr/>
+          <p:nvPr/>
+        </p:nvSpPr>
+        <p:spPr>
+          <a:xfrm>
+            <a:off x="35496" y="3356992"/>
+            <a:ext cx="540000" cy="540000"/>
+          </a:xfrm>
+          <a:prstGeom prst="ellipse">
+            <a:avLst/>
+          </a:prstGeom>
+          <a:noFill/>
+          <a:ln/>
+          <a:scene3d>
+            <a:camera prst="isometricOffAxis1Right"/>
+            <a:lightRig rig="threePt" dir="t">
+              <a:rot lat="0" lon="0" rev="1200000"/>
+            </a:lightRig>
+          </a:scene3d>
+          <a:sp3d>
+            <a:bevelT w="63500" h="25400"/>
+          </a:sp3d>
+        </p:spPr>
+        <p:style>
+          <a:lnRef idx="0">
+            <a:schemeClr val="accent6"/>
+          </a:lnRef>
+          <a:fillRef idx="3">
+            <a:schemeClr val="accent6"/>
+          </a:fillRef>
+          <a:effectRef idx="3">
+            <a:schemeClr val="accent6"/>
+          </a:effectRef>
+          <a:fontRef idx="minor">
+            <a:schemeClr val="lt1"/>
+          </a:fontRef>
+        </p:style>
+        <p:txBody>
+          <a:bodyPr rtlCol="0" anchor="ctr">
+            <a:sp3d extrusionH="57150">
+              <a:bevelT w="38100" h="38100"/>
+            </a:sp3d>
+          </a:bodyPr>
+          <a:lstStyle/>
+          <a:p>
+            <a:pPr algn="ctr"/>
+            <a:r>
+              <a:rPr lang="en-US" sz="4800" b="1" dirty="0">
+                <a:ln>
+                  <a:solidFill>
+                    <a:schemeClr val="accent6">
+                      <a:lumMod val="50000"/>
+                    </a:schemeClr>
+                  </a:solidFill>
+                </a:ln>
+                <a:solidFill>
+                  <a:srgbClr val="FFD13F"/>
+                </a:solidFill>
+                <a:latin typeface="Cooper Black" panose="0208090404030B020404" pitchFamily="18" charset="0"/>
+                <a:sym typeface="Wingdings"/>
+              </a:rPr>
+              <a:t></a:t>
+            </a:r>
+            <a:endParaRPr lang="en-IN" sz="4800" b="1" dirty="0">
+              <a:ln>
+                <a:solidFill>
+                  <a:schemeClr val="accent6">
+                    <a:lumMod val="50000"/>
+                  </a:schemeClr>
+                </a:solidFill>
+              </a:ln>
+              <a:solidFill>
+                <a:srgbClr val="FFD13F"/>
+              </a:solidFill>
+              <a:latin typeface="Cooper Black" panose="0208090404030B020404" pitchFamily="18" charset="0"/>
+            </a:endParaRPr>
+          </a:p>
+        </p:txBody>
+      </p:sp>
+      <p:sp>
+        <p:nvSpPr>
+          <p:cNvPr id="110" name="Oval 109"/>
+          <p:cNvSpPr/>
+          <p:nvPr/>
+        </p:nvSpPr>
+        <p:spPr>
+          <a:xfrm>
+            <a:off x="755576" y="3356992"/>
+            <a:ext cx="540000" cy="540000"/>
+          </a:xfrm>
+          <a:prstGeom prst="ellipse">
+            <a:avLst/>
+          </a:prstGeom>
+          <a:noFill/>
+          <a:ln/>
+          <a:scene3d>
+            <a:camera prst="isometricOffAxis1Right"/>
+            <a:lightRig rig="threePt" dir="t">
+              <a:rot lat="0" lon="0" rev="1200000"/>
+            </a:lightRig>
+          </a:scene3d>
+          <a:sp3d>
+            <a:bevelT w="63500" h="25400"/>
+          </a:sp3d>
+        </p:spPr>
+        <p:style>
+          <a:lnRef idx="0">
+            <a:schemeClr val="accent6"/>
+          </a:lnRef>
+          <a:fillRef idx="3">
+            <a:schemeClr val="accent6"/>
+          </a:fillRef>
+          <a:effectRef idx="3">
+            <a:schemeClr val="accent6"/>
+          </a:effectRef>
+          <a:fontRef idx="minor">
+            <a:schemeClr val="lt1"/>
+          </a:fontRef>
+        </p:style>
+        <p:txBody>
+          <a:bodyPr rtlCol="0" anchor="ctr">
+            <a:sp3d extrusionH="57150">
+              <a:bevelT w="38100" h="38100"/>
+            </a:sp3d>
+          </a:bodyPr>
+          <a:lstStyle/>
+          <a:p>
+            <a:pPr algn="ctr"/>
+            <a:r>
+              <a:rPr lang="en-US" sz="4800" b="1" dirty="0">
+                <a:ln>
+                  <a:solidFill>
+                    <a:schemeClr val="accent6">
+                      <a:lumMod val="50000"/>
+                    </a:schemeClr>
+                  </a:solidFill>
+                </a:ln>
+                <a:solidFill>
+                  <a:srgbClr val="FFD13F"/>
+                </a:solidFill>
+                <a:latin typeface="Cooper Black" panose="0208090404030B020404" pitchFamily="18" charset="0"/>
+                <a:sym typeface="Wingdings"/>
+              </a:rPr>
+              <a:t></a:t>
+            </a:r>
+            <a:endParaRPr lang="en-IN" sz="4800" b="1" dirty="0">
+              <a:ln>
+                <a:solidFill>
+                  <a:schemeClr val="accent6">
+                    <a:lumMod val="50000"/>
+                  </a:schemeClr>
+                </a:solidFill>
+              </a:ln>
+              <a:solidFill>
+                <a:srgbClr val="FFD13F"/>
+              </a:solidFill>
+              <a:latin typeface="Cooper Black" panose="0208090404030B020404" pitchFamily="18" charset="0"/>
+            </a:endParaRPr>
+          </a:p>
+        </p:txBody>
+      </p:sp>
+      <p:sp>
+        <p:nvSpPr>
+          <p:cNvPr id="111" name="Oval 110"/>
+          <p:cNvSpPr/>
+          <p:nvPr/>
+        </p:nvSpPr>
+        <p:spPr>
+          <a:xfrm>
+            <a:off x="1403708" y="3356992"/>
+            <a:ext cx="540000" cy="540000"/>
+          </a:xfrm>
+          <a:prstGeom prst="ellipse">
+            <a:avLst/>
+          </a:prstGeom>
+          <a:noFill/>
+          <a:ln/>
+          <a:scene3d>
+            <a:camera prst="orthographicFront"/>
+            <a:lightRig rig="threePt" dir="t">
+              <a:rot lat="0" lon="0" rev="1200000"/>
+            </a:lightRig>
+          </a:scene3d>
+          <a:sp3d>
+            <a:bevelT w="63500" h="25400"/>
+          </a:sp3d>
+        </p:spPr>
+        <p:style>
+          <a:lnRef idx="0">
+            <a:schemeClr val="accent6"/>
+          </a:lnRef>
+          <a:fillRef idx="3">
+            <a:schemeClr val="accent6"/>
+          </a:fillRef>
+          <a:effectRef idx="3">
+            <a:schemeClr val="accent6"/>
+          </a:effectRef>
+          <a:fontRef idx="minor">
+            <a:schemeClr val="lt1"/>
+          </a:fontRef>
+        </p:style>
+        <p:txBody>
+          <a:bodyPr rtlCol="0" anchor="ctr">
+            <a:scene3d>
+              <a:camera prst="orthographicFront"/>
+              <a:lightRig rig="flat" dir="t">
+                <a:rot lat="0" lon="0" rev="18900000"/>
+              </a:lightRig>
+            </a:scene3d>
+            <a:sp3d extrusionH="31750" contourW="6350" prstMaterial="powder">
+              <a:bevelT w="19050" h="19050"/>
+              <a:contourClr>
+                <a:schemeClr val="accent3">
+                  <a:tint val="100000"/>
+                  <a:shade val="100000"/>
+                  <a:satMod val="100000"/>
+                  <a:hueMod val="100000"/>
+                </a:schemeClr>
+              </a:contourClr>
+            </a:sp3d>
+          </a:bodyPr>
+          <a:lstStyle/>
+          <a:p>
+            <a:pPr algn="ctr"/>
+            <a:r>
+              <a:rPr lang="en-US" sz="4800" b="1" dirty="0">
+                <a:ln>
+                  <a:solidFill>
+                    <a:srgbClr val="F2750F"/>
+                  </a:solidFill>
+                </a:ln>
+                <a:solidFill>
+                  <a:srgbClr val="FFC000"/>
+                </a:solidFill>
+                <a:sym typeface="Wingdings"/>
+              </a:rPr>
+              <a:t></a:t>
+            </a:r>
+            <a:endParaRPr lang="en-IN" sz="4800" b="1" dirty="0">
+              <a:ln>
+                <a:solidFill>
+                  <a:srgbClr val="F2750F"/>
+                </a:solidFill>
+              </a:ln>
+              <a:solidFill>
+                <a:srgbClr val="FFC000"/>
+              </a:solidFill>
+              <a:latin typeface="Cooper Black" panose="0208090404030B020404" pitchFamily="18" charset="0"/>
+            </a:endParaRPr>
+          </a:p>
+        </p:txBody>
+      </p:sp>
     </p:spTree>
     <p:extLst>
       <p:ext uri="{BB962C8B-B14F-4D97-AF65-F5344CB8AC3E}">

--- a/www/_imgSources/icons.pptx
+++ b/www/_imgSources/icons.pptx
@@ -7,6 +7,7 @@
   <p:sldIdLst>
     <p:sldId id="256" r:id="rId2"/>
     <p:sldId id="257" r:id="rId3"/>
+    <p:sldId id="258" r:id="rId4"/>
   </p:sldIdLst>
   <p:sldSz cx="9144000" cy="6858000" type="screen4x3"/>
   <p:notesSz cx="6858000" cy="9144000"/>
@@ -289,7 +290,7 @@
           <a:p>
             <a:fld id="{745A7134-949B-428F-9A82-7D09DE304FD2}" type="datetimeFigureOut">
               <a:rPr lang="en-IN" smtClean="0"/>
-              <a:t>14-03-2016</a:t>
+              <a:t>10-09-2016</a:t>
             </a:fld>
             <a:endParaRPr lang="en-IN"/>
           </a:p>
@@ -459,7 +460,7 @@
           <a:p>
             <a:fld id="{745A7134-949B-428F-9A82-7D09DE304FD2}" type="datetimeFigureOut">
               <a:rPr lang="en-IN" smtClean="0"/>
-              <a:t>14-03-2016</a:t>
+              <a:t>10-09-2016</a:t>
             </a:fld>
             <a:endParaRPr lang="en-IN"/>
           </a:p>
@@ -639,7 +640,7 @@
           <a:p>
             <a:fld id="{745A7134-949B-428F-9A82-7D09DE304FD2}" type="datetimeFigureOut">
               <a:rPr lang="en-IN" smtClean="0"/>
-              <a:t>14-03-2016</a:t>
+              <a:t>10-09-2016</a:t>
             </a:fld>
             <a:endParaRPr lang="en-IN"/>
           </a:p>
@@ -809,7 +810,7 @@
           <a:p>
             <a:fld id="{745A7134-949B-428F-9A82-7D09DE304FD2}" type="datetimeFigureOut">
               <a:rPr lang="en-IN" smtClean="0"/>
-              <a:t>14-03-2016</a:t>
+              <a:t>10-09-2016</a:t>
             </a:fld>
             <a:endParaRPr lang="en-IN"/>
           </a:p>
@@ -1055,7 +1056,7 @@
           <a:p>
             <a:fld id="{745A7134-949B-428F-9A82-7D09DE304FD2}" type="datetimeFigureOut">
               <a:rPr lang="en-IN" smtClean="0"/>
-              <a:t>14-03-2016</a:t>
+              <a:t>10-09-2016</a:t>
             </a:fld>
             <a:endParaRPr lang="en-IN"/>
           </a:p>
@@ -1343,7 +1344,7 @@
           <a:p>
             <a:fld id="{745A7134-949B-428F-9A82-7D09DE304FD2}" type="datetimeFigureOut">
               <a:rPr lang="en-IN" smtClean="0"/>
-              <a:t>14-03-2016</a:t>
+              <a:t>10-09-2016</a:t>
             </a:fld>
             <a:endParaRPr lang="en-IN"/>
           </a:p>
@@ -1765,7 +1766,7 @@
           <a:p>
             <a:fld id="{745A7134-949B-428F-9A82-7D09DE304FD2}" type="datetimeFigureOut">
               <a:rPr lang="en-IN" smtClean="0"/>
-              <a:t>14-03-2016</a:t>
+              <a:t>10-09-2016</a:t>
             </a:fld>
             <a:endParaRPr lang="en-IN"/>
           </a:p>
@@ -1883,7 +1884,7 @@
           <a:p>
             <a:fld id="{745A7134-949B-428F-9A82-7D09DE304FD2}" type="datetimeFigureOut">
               <a:rPr lang="en-IN" smtClean="0"/>
-              <a:t>14-03-2016</a:t>
+              <a:t>10-09-2016</a:t>
             </a:fld>
             <a:endParaRPr lang="en-IN"/>
           </a:p>
@@ -1978,7 +1979,7 @@
           <a:p>
             <a:fld id="{745A7134-949B-428F-9A82-7D09DE304FD2}" type="datetimeFigureOut">
               <a:rPr lang="en-IN" smtClean="0"/>
-              <a:t>14-03-2016</a:t>
+              <a:t>10-09-2016</a:t>
             </a:fld>
             <a:endParaRPr lang="en-IN"/>
           </a:p>
@@ -2255,7 +2256,7 @@
           <a:p>
             <a:fld id="{745A7134-949B-428F-9A82-7D09DE304FD2}" type="datetimeFigureOut">
               <a:rPr lang="en-IN" smtClean="0"/>
-              <a:t>14-03-2016</a:t>
+              <a:t>10-09-2016</a:t>
             </a:fld>
             <a:endParaRPr lang="en-IN"/>
           </a:p>
@@ -2508,7 +2509,7 @@
           <a:p>
             <a:fld id="{745A7134-949B-428F-9A82-7D09DE304FD2}" type="datetimeFigureOut">
               <a:rPr lang="en-IN" smtClean="0"/>
-              <a:t>14-03-2016</a:t>
+              <a:t>10-09-2016</a:t>
             </a:fld>
             <a:endParaRPr lang="en-IN"/>
           </a:p>
@@ -2721,7 +2722,7 @@
           <a:p>
             <a:fld id="{745A7134-949B-428F-9A82-7D09DE304FD2}" type="datetimeFigureOut">
               <a:rPr lang="en-IN" smtClean="0"/>
-              <a:t>14-03-2016</a:t>
+              <a:t>10-09-2016</a:t>
             </a:fld>
             <a:endParaRPr lang="en-IN"/>
           </a:p>
@@ -3678,16 +3679,7 @@
                 </a:solidFill>
                 <a:sym typeface="Wingdings"/>
               </a:rPr>
-              <a:t> Q ? ! &gt; &amp; $ # </a:t>
-            </a:r>
-            <a:r>
-              <a:rPr lang="en-US" dirty="0" smtClean="0">
-                <a:solidFill>
-                  <a:schemeClr val="tx1"/>
-                </a:solidFill>
-                <a:sym typeface="Wingdings"/>
-              </a:rPr>
-              <a:t></a:t>
+              <a:t> Q ? ! &gt; &amp; $ # </a:t>
             </a:r>
             <a:r>
               <a:rPr lang="en-US" dirty="0" smtClean="0">
@@ -13170,6 +13162,523 @@
 </p:sld>
 </file>
 
+<file path=ppt/slides/slide3.xml><?xml version="1.0" encoding="utf-8"?>
+<p:sld xmlns:a="http://schemas.openxmlformats.org/drawingml/2006/main" xmlns:r="http://schemas.openxmlformats.org/officeDocument/2006/relationships" xmlns:p="http://schemas.openxmlformats.org/presentationml/2006/main">
+  <p:cSld>
+    <p:spTree>
+      <p:nvGrpSpPr>
+        <p:cNvPr id="1" name=""/>
+        <p:cNvGrpSpPr/>
+        <p:nvPr/>
+      </p:nvGrpSpPr>
+      <p:grpSpPr>
+        <a:xfrm>
+          <a:off x="0" y="0"/>
+          <a:ext cx="0" cy="0"/>
+          <a:chOff x="0" y="0"/>
+          <a:chExt cx="0" cy="0"/>
+        </a:xfrm>
+      </p:grpSpPr>
+      <p:sp>
+        <p:nvSpPr>
+          <p:cNvPr id="5" name="Arc 4"/>
+          <p:cNvSpPr/>
+          <p:nvPr/>
+        </p:nvSpPr>
+        <p:spPr>
+          <a:xfrm>
+            <a:off x="152400" y="457200"/>
+            <a:ext cx="2057400" cy="2057400"/>
+          </a:xfrm>
+          <a:prstGeom prst="arc">
+            <a:avLst>
+              <a:gd name="adj1" fmla="val 16200000"/>
+              <a:gd name="adj2" fmla="val 14421917"/>
+            </a:avLst>
+          </a:prstGeom>
+          <a:ln w="127000">
+            <a:solidFill>
+              <a:srgbClr val="004455"/>
+            </a:solidFill>
+            <a:headEnd type="none" w="med" len="med"/>
+            <a:tailEnd type="triangle" w="med" len="med"/>
+          </a:ln>
+          <a:scene3d>
+            <a:camera prst="orthographicFront">
+              <a:rot lat="0" lon="0" rev="0"/>
+            </a:camera>
+            <a:lightRig rig="threePt" dir="t"/>
+          </a:scene3d>
+        </p:spPr>
+        <p:style>
+          <a:lnRef idx="1">
+            <a:schemeClr val="accent1"/>
+          </a:lnRef>
+          <a:fillRef idx="0">
+            <a:schemeClr val="accent1"/>
+          </a:fillRef>
+          <a:effectRef idx="0">
+            <a:schemeClr val="accent1"/>
+          </a:effectRef>
+          <a:fontRef idx="minor">
+            <a:schemeClr val="tx1"/>
+          </a:fontRef>
+        </p:style>
+        <p:txBody>
+          <a:bodyPr rtlCol="0" anchor="ctr"/>
+          <a:lstStyle/>
+          <a:p>
+            <a:pPr algn="ctr"/>
+            <a:endParaRPr lang="en-IN">
+              <a:ln w="152400">
+                <a:solidFill>
+                  <a:schemeClr val="tx1"/>
+                </a:solidFill>
+              </a:ln>
+            </a:endParaRPr>
+          </a:p>
+        </p:txBody>
+      </p:sp>
+      <p:sp>
+        <p:nvSpPr>
+          <p:cNvPr id="6" name="Arc 5"/>
+          <p:cNvSpPr/>
+          <p:nvPr/>
+        </p:nvSpPr>
+        <p:spPr>
+          <a:xfrm>
+            <a:off x="4648200" y="457200"/>
+            <a:ext cx="2057400" cy="2057400"/>
+          </a:xfrm>
+          <a:prstGeom prst="arc">
+            <a:avLst>
+              <a:gd name="adj1" fmla="val 16200000"/>
+              <a:gd name="adj2" fmla="val 14421917"/>
+            </a:avLst>
+          </a:prstGeom>
+          <a:ln w="127000">
+            <a:solidFill>
+              <a:srgbClr val="004455"/>
+            </a:solidFill>
+            <a:headEnd type="none" w="med" len="med"/>
+            <a:tailEnd type="triangle" w="med" len="med"/>
+          </a:ln>
+          <a:scene3d>
+            <a:camera prst="orthographicFront">
+              <a:rot lat="0" lon="0" rev="16200000"/>
+            </a:camera>
+            <a:lightRig rig="threePt" dir="t"/>
+          </a:scene3d>
+        </p:spPr>
+        <p:style>
+          <a:lnRef idx="1">
+            <a:schemeClr val="accent1"/>
+          </a:lnRef>
+          <a:fillRef idx="0">
+            <a:schemeClr val="accent1"/>
+          </a:fillRef>
+          <a:effectRef idx="0">
+            <a:schemeClr val="accent1"/>
+          </a:effectRef>
+          <a:fontRef idx="minor">
+            <a:schemeClr val="tx1"/>
+          </a:fontRef>
+        </p:style>
+        <p:txBody>
+          <a:bodyPr rtlCol="0" anchor="ctr"/>
+          <a:lstStyle/>
+          <a:p>
+            <a:pPr algn="ctr"/>
+            <a:endParaRPr lang="en-IN">
+              <a:ln w="152400">
+                <a:solidFill>
+                  <a:schemeClr val="tx1"/>
+                </a:solidFill>
+              </a:ln>
+            </a:endParaRPr>
+          </a:p>
+        </p:txBody>
+      </p:sp>
+      <p:sp>
+        <p:nvSpPr>
+          <p:cNvPr id="8" name="Arc 7"/>
+          <p:cNvSpPr/>
+          <p:nvPr/>
+        </p:nvSpPr>
+        <p:spPr>
+          <a:xfrm>
+            <a:off x="152400" y="3581400"/>
+            <a:ext cx="2057400" cy="2057400"/>
+          </a:xfrm>
+          <a:prstGeom prst="arc">
+            <a:avLst>
+              <a:gd name="adj1" fmla="val 16200000"/>
+              <a:gd name="adj2" fmla="val 14421917"/>
+            </a:avLst>
+          </a:prstGeom>
+          <a:ln w="127000">
+            <a:solidFill>
+              <a:srgbClr val="004455"/>
+            </a:solidFill>
+            <a:headEnd type="none" w="med" len="med"/>
+            <a:tailEnd type="triangle" w="med" len="med"/>
+          </a:ln>
+          <a:scene3d>
+            <a:camera prst="orthographicFront">
+              <a:rot lat="0" lon="0" rev="10800000"/>
+            </a:camera>
+            <a:lightRig rig="threePt" dir="t"/>
+          </a:scene3d>
+        </p:spPr>
+        <p:style>
+          <a:lnRef idx="1">
+            <a:schemeClr val="accent1"/>
+          </a:lnRef>
+          <a:fillRef idx="0">
+            <a:schemeClr val="accent1"/>
+          </a:fillRef>
+          <a:effectRef idx="0">
+            <a:schemeClr val="accent1"/>
+          </a:effectRef>
+          <a:fontRef idx="minor">
+            <a:schemeClr val="tx1"/>
+          </a:fontRef>
+        </p:style>
+        <p:txBody>
+          <a:bodyPr rtlCol="0" anchor="ctr"/>
+          <a:lstStyle/>
+          <a:p>
+            <a:pPr algn="ctr"/>
+            <a:endParaRPr lang="en-IN">
+              <a:ln w="152400">
+                <a:solidFill>
+                  <a:schemeClr val="tx1"/>
+                </a:solidFill>
+              </a:ln>
+            </a:endParaRPr>
+          </a:p>
+        </p:txBody>
+      </p:sp>
+      <p:sp>
+        <p:nvSpPr>
+          <p:cNvPr id="9" name="Arc 8"/>
+          <p:cNvSpPr/>
+          <p:nvPr/>
+        </p:nvSpPr>
+        <p:spPr>
+          <a:xfrm>
+            <a:off x="4622800" y="3581400"/>
+            <a:ext cx="2057400" cy="2057400"/>
+          </a:xfrm>
+          <a:prstGeom prst="arc">
+            <a:avLst>
+              <a:gd name="adj1" fmla="val 16200000"/>
+              <a:gd name="adj2" fmla="val 14421917"/>
+            </a:avLst>
+          </a:prstGeom>
+          <a:ln w="127000">
+            <a:solidFill>
+              <a:srgbClr val="004455"/>
+            </a:solidFill>
+            <a:headEnd type="none" w="med" len="med"/>
+            <a:tailEnd type="triangle" w="med" len="med"/>
+          </a:ln>
+          <a:scene3d>
+            <a:camera prst="orthographicFront">
+              <a:rot lat="0" lon="0" rev="5400000"/>
+            </a:camera>
+            <a:lightRig rig="threePt" dir="t"/>
+          </a:scene3d>
+        </p:spPr>
+        <p:style>
+          <a:lnRef idx="1">
+            <a:schemeClr val="accent1"/>
+          </a:lnRef>
+          <a:fillRef idx="0">
+            <a:schemeClr val="accent1"/>
+          </a:fillRef>
+          <a:effectRef idx="0">
+            <a:schemeClr val="accent1"/>
+          </a:effectRef>
+          <a:fontRef idx="minor">
+            <a:schemeClr val="tx1"/>
+          </a:fontRef>
+        </p:style>
+        <p:txBody>
+          <a:bodyPr rtlCol="0" anchor="ctr"/>
+          <a:lstStyle/>
+          <a:p>
+            <a:pPr algn="ctr"/>
+            <a:endParaRPr lang="en-IN">
+              <a:ln w="152400">
+                <a:solidFill>
+                  <a:schemeClr val="tx1"/>
+                </a:solidFill>
+              </a:ln>
+            </a:endParaRPr>
+          </a:p>
+        </p:txBody>
+      </p:sp>
+      <p:sp>
+        <p:nvSpPr>
+          <p:cNvPr id="10" name="Arc 9"/>
+          <p:cNvSpPr/>
+          <p:nvPr/>
+        </p:nvSpPr>
+        <p:spPr>
+          <a:xfrm>
+            <a:off x="2413000" y="457200"/>
+            <a:ext cx="2057400" cy="2057400"/>
+          </a:xfrm>
+          <a:prstGeom prst="arc">
+            <a:avLst>
+              <a:gd name="adj1" fmla="val 16200000"/>
+              <a:gd name="adj2" fmla="val 14421917"/>
+            </a:avLst>
+          </a:prstGeom>
+          <a:ln w="127000">
+            <a:solidFill>
+              <a:srgbClr val="004455"/>
+            </a:solidFill>
+            <a:headEnd type="none" w="med" len="med"/>
+            <a:tailEnd type="triangle" w="med" len="med"/>
+          </a:ln>
+          <a:scene3d>
+            <a:camera prst="orthographicFront">
+              <a:rot lat="0" lon="0" rev="18900000"/>
+            </a:camera>
+            <a:lightRig rig="threePt" dir="t"/>
+          </a:scene3d>
+        </p:spPr>
+        <p:style>
+          <a:lnRef idx="1">
+            <a:schemeClr val="accent1"/>
+          </a:lnRef>
+          <a:fillRef idx="0">
+            <a:schemeClr val="accent1"/>
+          </a:fillRef>
+          <a:effectRef idx="0">
+            <a:schemeClr val="accent1"/>
+          </a:effectRef>
+          <a:fontRef idx="minor">
+            <a:schemeClr val="tx1"/>
+          </a:fontRef>
+        </p:style>
+        <p:txBody>
+          <a:bodyPr rtlCol="0" anchor="ctr"/>
+          <a:lstStyle/>
+          <a:p>
+            <a:pPr algn="ctr"/>
+            <a:endParaRPr lang="en-IN">
+              <a:ln w="152400">
+                <a:solidFill>
+                  <a:schemeClr val="tx1"/>
+                </a:solidFill>
+              </a:ln>
+            </a:endParaRPr>
+          </a:p>
+        </p:txBody>
+      </p:sp>
+      <p:sp>
+        <p:nvSpPr>
+          <p:cNvPr id="11" name="Arc 10"/>
+          <p:cNvSpPr/>
+          <p:nvPr/>
+        </p:nvSpPr>
+        <p:spPr>
+          <a:xfrm>
+            <a:off x="6858000" y="457200"/>
+            <a:ext cx="2057400" cy="2057400"/>
+          </a:xfrm>
+          <a:prstGeom prst="arc">
+            <a:avLst>
+              <a:gd name="adj1" fmla="val 16200000"/>
+              <a:gd name="adj2" fmla="val 14421917"/>
+            </a:avLst>
+          </a:prstGeom>
+          <a:ln w="127000">
+            <a:solidFill>
+              <a:srgbClr val="004455"/>
+            </a:solidFill>
+            <a:headEnd type="none" w="med" len="med"/>
+            <a:tailEnd type="triangle" w="med" len="med"/>
+          </a:ln>
+          <a:scene3d>
+            <a:camera prst="orthographicFront">
+              <a:rot lat="0" lon="0" rev="13500000"/>
+            </a:camera>
+            <a:lightRig rig="threePt" dir="t"/>
+          </a:scene3d>
+        </p:spPr>
+        <p:style>
+          <a:lnRef idx="1">
+            <a:schemeClr val="accent1"/>
+          </a:lnRef>
+          <a:fillRef idx="0">
+            <a:schemeClr val="accent1"/>
+          </a:fillRef>
+          <a:effectRef idx="0">
+            <a:schemeClr val="accent1"/>
+          </a:effectRef>
+          <a:fontRef idx="minor">
+            <a:schemeClr val="tx1"/>
+          </a:fontRef>
+        </p:style>
+        <p:txBody>
+          <a:bodyPr rtlCol="0" anchor="ctr"/>
+          <a:lstStyle/>
+          <a:p>
+            <a:pPr algn="ctr"/>
+            <a:endParaRPr lang="en-IN">
+              <a:ln w="152400">
+                <a:solidFill>
+                  <a:schemeClr val="tx1"/>
+                </a:solidFill>
+              </a:ln>
+            </a:endParaRPr>
+          </a:p>
+        </p:txBody>
+      </p:sp>
+      <p:sp>
+        <p:nvSpPr>
+          <p:cNvPr id="12" name="Arc 11"/>
+          <p:cNvSpPr/>
+          <p:nvPr/>
+        </p:nvSpPr>
+        <p:spPr>
+          <a:xfrm>
+            <a:off x="2387600" y="3581400"/>
+            <a:ext cx="2057400" cy="2057400"/>
+          </a:xfrm>
+          <a:prstGeom prst="arc">
+            <a:avLst>
+              <a:gd name="adj1" fmla="val 16200000"/>
+              <a:gd name="adj2" fmla="val 14421917"/>
+            </a:avLst>
+          </a:prstGeom>
+          <a:ln w="127000">
+            <a:solidFill>
+              <a:srgbClr val="004455"/>
+            </a:solidFill>
+            <a:headEnd type="none" w="med" len="med"/>
+            <a:tailEnd type="triangle" w="med" len="med"/>
+          </a:ln>
+          <a:scene3d>
+            <a:camera prst="orthographicFront">
+              <a:rot lat="0" lon="0" rev="8100000"/>
+            </a:camera>
+            <a:lightRig rig="threePt" dir="t"/>
+          </a:scene3d>
+        </p:spPr>
+        <p:style>
+          <a:lnRef idx="1">
+            <a:schemeClr val="accent1"/>
+          </a:lnRef>
+          <a:fillRef idx="0">
+            <a:schemeClr val="accent1"/>
+          </a:fillRef>
+          <a:effectRef idx="0">
+            <a:schemeClr val="accent1"/>
+          </a:effectRef>
+          <a:fontRef idx="minor">
+            <a:schemeClr val="tx1"/>
+          </a:fontRef>
+        </p:style>
+        <p:txBody>
+          <a:bodyPr rtlCol="0" anchor="ctr"/>
+          <a:lstStyle/>
+          <a:p>
+            <a:pPr algn="ctr"/>
+            <a:endParaRPr lang="en-IN">
+              <a:ln w="152400">
+                <a:solidFill>
+                  <a:schemeClr val="tx1"/>
+                </a:solidFill>
+              </a:ln>
+            </a:endParaRPr>
+          </a:p>
+        </p:txBody>
+      </p:sp>
+      <p:sp>
+        <p:nvSpPr>
+          <p:cNvPr id="13" name="Arc 12"/>
+          <p:cNvSpPr/>
+          <p:nvPr/>
+        </p:nvSpPr>
+        <p:spPr>
+          <a:xfrm>
+            <a:off x="6858000" y="3581400"/>
+            <a:ext cx="2057400" cy="2057400"/>
+          </a:xfrm>
+          <a:prstGeom prst="arc">
+            <a:avLst>
+              <a:gd name="adj1" fmla="val 16200000"/>
+              <a:gd name="adj2" fmla="val 14421917"/>
+            </a:avLst>
+          </a:prstGeom>
+          <a:ln w="127000">
+            <a:solidFill>
+              <a:srgbClr val="004455"/>
+            </a:solidFill>
+            <a:headEnd type="none" w="med" len="med"/>
+            <a:tailEnd type="triangle" w="med" len="med"/>
+          </a:ln>
+          <a:scene3d>
+            <a:camera prst="orthographicFront">
+              <a:rot lat="0" lon="0" rev="2700000"/>
+            </a:camera>
+            <a:lightRig rig="threePt" dir="t"/>
+          </a:scene3d>
+        </p:spPr>
+        <p:style>
+          <a:lnRef idx="1">
+            <a:schemeClr val="accent1"/>
+          </a:lnRef>
+          <a:fillRef idx="0">
+            <a:schemeClr val="accent1"/>
+          </a:fillRef>
+          <a:effectRef idx="0">
+            <a:schemeClr val="accent1"/>
+          </a:effectRef>
+          <a:fontRef idx="minor">
+            <a:schemeClr val="tx1"/>
+          </a:fontRef>
+        </p:style>
+        <p:txBody>
+          <a:bodyPr rtlCol="0" anchor="ctr"/>
+          <a:lstStyle/>
+          <a:p>
+            <a:pPr algn="ctr"/>
+            <a:endParaRPr lang="en-IN">
+              <a:ln w="152400">
+                <a:solidFill>
+                  <a:schemeClr val="tx1"/>
+                </a:solidFill>
+              </a:ln>
+            </a:endParaRPr>
+          </a:p>
+        </p:txBody>
+      </p:sp>
+    </p:spTree>
+    <p:extLst>
+      <p:ext uri="{BB962C8B-B14F-4D97-AF65-F5344CB8AC3E}">
+        <p14:creationId xmlns:p14="http://schemas.microsoft.com/office/powerpoint/2010/main" val="1949826222"/>
+      </p:ext>
+    </p:extLst>
+  </p:cSld>
+  <p:clrMapOvr>
+    <a:masterClrMapping/>
+  </p:clrMapOvr>
+  <p:timing>
+    <p:tnLst>
+      <p:par>
+        <p:cTn id="1" dur="indefinite" restart="never" nodeType="tmRoot"/>
+      </p:par>
+    </p:tnLst>
+  </p:timing>
+</p:sld>
+</file>
+
 <file path=ppt/theme/theme1.xml><?xml version="1.0" encoding="utf-8"?>
 <a:theme xmlns:a="http://schemas.openxmlformats.org/drawingml/2006/main" name="Office Theme">
   <a:themeElements>
